--- a/Gestor de Pedidos1.pptx
+++ b/Gestor de Pedidos1.pptx
@@ -1882,15 +1882,15 @@
   <p:clrMapOvr>
     <a:masterClrMapping/>
   </p:clrMapOvr>
-  <mc:AlternateContent xmlns:mc="http://schemas.openxmlformats.org/markup-compatibility/2006" xmlns:p14="http://schemas.microsoft.com/office/powerpoint/2010/main">
-    <mc:Choice Requires="p14">
-      <p:transition spd="med" p14:dur="700">
-        <p:fade/>
+  <mc:AlternateContent xmlns:mc="http://schemas.openxmlformats.org/markup-compatibility/2006">
+    <mc:Choice xmlns:p14="http://schemas.microsoft.com/office/powerpoint/2010/main" Requires="p14">
+      <p:transition spd="slow" p14:dur="1500">
+        <p:random/>
       </p:transition>
     </mc:Choice>
-    <mc:Fallback xmlns="">
-      <p:transition spd="med">
-        <p:fade/>
+    <mc:Fallback>
+      <p:transition spd="slow">
+        <p:random/>
       </p:transition>
     </mc:Fallback>
   </mc:AlternateContent>
@@ -2071,15 +2071,15 @@
   <p:clrMapOvr>
     <a:masterClrMapping/>
   </p:clrMapOvr>
-  <mc:AlternateContent xmlns:mc="http://schemas.openxmlformats.org/markup-compatibility/2006" xmlns:p14="http://schemas.microsoft.com/office/powerpoint/2010/main">
-    <mc:Choice Requires="p14">
-      <p:transition spd="med" p14:dur="700">
-        <p:fade/>
+  <mc:AlternateContent xmlns:mc="http://schemas.openxmlformats.org/markup-compatibility/2006">
+    <mc:Choice xmlns:p14="http://schemas.microsoft.com/office/powerpoint/2010/main" Requires="p14">
+      <p:transition spd="slow" p14:dur="1500">
+        <p:random/>
       </p:transition>
     </mc:Choice>
-    <mc:Fallback xmlns="">
-      <p:transition spd="med">
-        <p:fade/>
+    <mc:Fallback>
+      <p:transition spd="slow">
+        <p:random/>
       </p:transition>
     </mc:Fallback>
   </mc:AlternateContent>
@@ -2270,15 +2270,15 @@
   <p:clrMapOvr>
     <a:masterClrMapping/>
   </p:clrMapOvr>
-  <mc:AlternateContent xmlns:mc="http://schemas.openxmlformats.org/markup-compatibility/2006" xmlns:p14="http://schemas.microsoft.com/office/powerpoint/2010/main">
-    <mc:Choice Requires="p14">
-      <p:transition spd="med" p14:dur="700">
-        <p:fade/>
+  <mc:AlternateContent xmlns:mc="http://schemas.openxmlformats.org/markup-compatibility/2006">
+    <mc:Choice xmlns:p14="http://schemas.microsoft.com/office/powerpoint/2010/main" Requires="p14">
+      <p:transition spd="slow" p14:dur="1500">
+        <p:random/>
       </p:transition>
     </mc:Choice>
-    <mc:Fallback xmlns="">
-      <p:transition spd="med">
-        <p:fade/>
+    <mc:Fallback>
+      <p:transition spd="slow">
+        <p:random/>
       </p:transition>
     </mc:Fallback>
   </mc:AlternateContent>
@@ -2459,15 +2459,15 @@
   <p:clrMapOvr>
     <a:masterClrMapping/>
   </p:clrMapOvr>
-  <mc:AlternateContent xmlns:mc="http://schemas.openxmlformats.org/markup-compatibility/2006" xmlns:p14="http://schemas.microsoft.com/office/powerpoint/2010/main">
-    <mc:Choice Requires="p14">
-      <p:transition spd="med" p14:dur="700">
-        <p:fade/>
+  <mc:AlternateContent xmlns:mc="http://schemas.openxmlformats.org/markup-compatibility/2006">
+    <mc:Choice xmlns:p14="http://schemas.microsoft.com/office/powerpoint/2010/main" Requires="p14">
+      <p:transition spd="slow" p14:dur="1500">
+        <p:random/>
       </p:transition>
     </mc:Choice>
-    <mc:Fallback xmlns="">
-      <p:transition spd="med">
-        <p:fade/>
+    <mc:Fallback>
+      <p:transition spd="slow">
+        <p:random/>
       </p:transition>
     </mc:Fallback>
   </mc:AlternateContent>
@@ -2746,15 +2746,15 @@
   <p:clrMapOvr>
     <a:masterClrMapping/>
   </p:clrMapOvr>
-  <mc:AlternateContent xmlns:mc="http://schemas.openxmlformats.org/markup-compatibility/2006" xmlns:p14="http://schemas.microsoft.com/office/powerpoint/2010/main">
-    <mc:Choice Requires="p14">
-      <p:transition spd="med" p14:dur="700">
-        <p:fade/>
+  <mc:AlternateContent xmlns:mc="http://schemas.openxmlformats.org/markup-compatibility/2006">
+    <mc:Choice xmlns:p14="http://schemas.microsoft.com/office/powerpoint/2010/main" Requires="p14">
+      <p:transition spd="slow" p14:dur="1500">
+        <p:random/>
       </p:transition>
     </mc:Choice>
-    <mc:Fallback xmlns="">
-      <p:transition spd="med">
-        <p:fade/>
+    <mc:Fallback>
+      <p:transition spd="slow">
+        <p:random/>
       </p:transition>
     </mc:Fallback>
   </mc:AlternateContent>
@@ -3057,15 +3057,15 @@
   <p:clrMapOvr>
     <a:masterClrMapping/>
   </p:clrMapOvr>
-  <mc:AlternateContent xmlns:mc="http://schemas.openxmlformats.org/markup-compatibility/2006" xmlns:p14="http://schemas.microsoft.com/office/powerpoint/2010/main">
-    <mc:Choice Requires="p14">
-      <p:transition spd="med" p14:dur="700">
-        <p:fade/>
+  <mc:AlternateContent xmlns:mc="http://schemas.openxmlformats.org/markup-compatibility/2006">
+    <mc:Choice xmlns:p14="http://schemas.microsoft.com/office/powerpoint/2010/main" Requires="p14">
+      <p:transition spd="slow" p14:dur="1500">
+        <p:random/>
       </p:transition>
     </mc:Choice>
-    <mc:Fallback xmlns="">
-      <p:transition spd="med">
-        <p:fade/>
+    <mc:Fallback>
+      <p:transition spd="slow">
+        <p:random/>
       </p:transition>
     </mc:Fallback>
   </mc:AlternateContent>
@@ -3512,15 +3512,15 @@
   <p:clrMapOvr>
     <a:masterClrMapping/>
   </p:clrMapOvr>
-  <mc:AlternateContent xmlns:mc="http://schemas.openxmlformats.org/markup-compatibility/2006" xmlns:p14="http://schemas.microsoft.com/office/powerpoint/2010/main">
-    <mc:Choice Requires="p14">
-      <p:transition spd="med" p14:dur="700">
-        <p:fade/>
+  <mc:AlternateContent xmlns:mc="http://schemas.openxmlformats.org/markup-compatibility/2006">
+    <mc:Choice xmlns:p14="http://schemas.microsoft.com/office/powerpoint/2010/main" Requires="p14">
+      <p:transition spd="slow" p14:dur="1500">
+        <p:random/>
       </p:transition>
     </mc:Choice>
-    <mc:Fallback xmlns="">
-      <p:transition spd="med">
-        <p:fade/>
+    <mc:Fallback>
+      <p:transition spd="slow">
+        <p:random/>
       </p:transition>
     </mc:Fallback>
   </mc:AlternateContent>
@@ -3649,15 +3649,15 @@
   <p:clrMapOvr>
     <a:masterClrMapping/>
   </p:clrMapOvr>
-  <mc:AlternateContent xmlns:mc="http://schemas.openxmlformats.org/markup-compatibility/2006" xmlns:p14="http://schemas.microsoft.com/office/powerpoint/2010/main">
-    <mc:Choice Requires="p14">
-      <p:transition spd="med" p14:dur="700">
-        <p:fade/>
+  <mc:AlternateContent xmlns:mc="http://schemas.openxmlformats.org/markup-compatibility/2006">
+    <mc:Choice xmlns:p14="http://schemas.microsoft.com/office/powerpoint/2010/main" Requires="p14">
+      <p:transition spd="slow" p14:dur="1500">
+        <p:random/>
       </p:transition>
     </mc:Choice>
-    <mc:Fallback xmlns="">
-      <p:transition spd="med">
-        <p:fade/>
+    <mc:Fallback>
+      <p:transition spd="slow">
+        <p:random/>
       </p:transition>
     </mc:Fallback>
   </mc:AlternateContent>
@@ -3776,15 +3776,15 @@
   <p:clrMapOvr>
     <a:masterClrMapping/>
   </p:clrMapOvr>
-  <mc:AlternateContent xmlns:mc="http://schemas.openxmlformats.org/markup-compatibility/2006" xmlns:p14="http://schemas.microsoft.com/office/powerpoint/2010/main">
-    <mc:Choice Requires="p14">
-      <p:transition spd="med" p14:dur="700">
-        <p:fade/>
+  <mc:AlternateContent xmlns:mc="http://schemas.openxmlformats.org/markup-compatibility/2006">
+    <mc:Choice xmlns:p14="http://schemas.microsoft.com/office/powerpoint/2010/main" Requires="p14">
+      <p:transition spd="slow" p14:dur="1500">
+        <p:random/>
       </p:transition>
     </mc:Choice>
-    <mc:Fallback xmlns="">
-      <p:transition spd="med">
-        <p:fade/>
+    <mc:Fallback>
+      <p:transition spd="slow">
+        <p:random/>
       </p:transition>
     </mc:Fallback>
   </mc:AlternateContent>
@@ -4105,15 +4105,15 @@
   <p:clrMapOvr>
     <a:masterClrMapping/>
   </p:clrMapOvr>
-  <mc:AlternateContent xmlns:mc="http://schemas.openxmlformats.org/markup-compatibility/2006" xmlns:p14="http://schemas.microsoft.com/office/powerpoint/2010/main">
-    <mc:Choice Requires="p14">
-      <p:transition spd="med" p14:dur="700">
-        <p:fade/>
+  <mc:AlternateContent xmlns:mc="http://schemas.openxmlformats.org/markup-compatibility/2006">
+    <mc:Choice xmlns:p14="http://schemas.microsoft.com/office/powerpoint/2010/main" Requires="p14">
+      <p:transition spd="slow" p14:dur="1500">
+        <p:random/>
       </p:transition>
     </mc:Choice>
-    <mc:Fallback xmlns="">
-      <p:transition spd="med">
-        <p:fade/>
+    <mc:Fallback>
+      <p:transition spd="slow">
+        <p:random/>
       </p:transition>
     </mc:Fallback>
   </mc:AlternateContent>
@@ -4346,15 +4346,15 @@
   <p:clrMapOvr>
     <a:masterClrMapping/>
   </p:clrMapOvr>
-  <mc:AlternateContent xmlns:mc="http://schemas.openxmlformats.org/markup-compatibility/2006" xmlns:p14="http://schemas.microsoft.com/office/powerpoint/2010/main">
-    <mc:Choice Requires="p14">
-      <p:transition spd="med" p14:dur="700">
-        <p:fade/>
+  <mc:AlternateContent xmlns:mc="http://schemas.openxmlformats.org/markup-compatibility/2006">
+    <mc:Choice xmlns:p14="http://schemas.microsoft.com/office/powerpoint/2010/main" Requires="p14">
+      <p:transition spd="slow" p14:dur="1500">
+        <p:random/>
       </p:transition>
     </mc:Choice>
-    <mc:Fallback xmlns="">
-      <p:transition spd="med">
-        <p:fade/>
+    <mc:Fallback>
+      <p:transition spd="slow">
+        <p:random/>
       </p:transition>
     </mc:Fallback>
   </mc:AlternateContent>
@@ -4637,15 +4637,15 @@
     <p:sldLayoutId id="2147483658" r:id="rId10"/>
     <p:sldLayoutId id="2147483659" r:id="rId11"/>
   </p:sldLayoutIdLst>
-  <mc:AlternateContent xmlns:mc="http://schemas.openxmlformats.org/markup-compatibility/2006" xmlns:p14="http://schemas.microsoft.com/office/powerpoint/2010/main">
-    <mc:Choice Requires="p14">
-      <p:transition spd="med" p14:dur="700">
-        <p:fade/>
+  <mc:AlternateContent xmlns:mc="http://schemas.openxmlformats.org/markup-compatibility/2006">
+    <mc:Choice xmlns:p14="http://schemas.microsoft.com/office/powerpoint/2010/main" Requires="p14">
+      <p:transition spd="slow" p14:dur="1500">
+        <p:random/>
       </p:transition>
     </mc:Choice>
-    <mc:Fallback xmlns="">
-      <p:transition spd="med">
-        <p:fade/>
+    <mc:Fallback>
+      <p:transition spd="slow">
+        <p:random/>
       </p:transition>
     </mc:Fallback>
   </mc:AlternateContent>
@@ -5662,6 +5662,7 @@
           </a:bodyPr>
           <a:lstStyle/>
           <a:p>
+            <a:pPr algn="just"/>
             <a:r>
               <a:rPr lang="es-AR" dirty="0">
                 <a:solidFill>
@@ -5683,6 +5684,7 @@
             </a:endParaRPr>
           </a:p>
           <a:p>
+            <a:pPr algn="just"/>
             <a:r>
               <a:rPr lang="es-AR" dirty="0">
                 <a:solidFill>
@@ -5704,6 +5706,7 @@
             </a:endParaRPr>
           </a:p>
           <a:p>
+            <a:pPr algn="just"/>
             <a:r>
               <a:rPr lang="es-AR" dirty="0" smtClean="0">
                 <a:solidFill>
@@ -5739,18 +5742,25 @@
   <p:clrMapOvr>
     <a:masterClrMapping/>
   </p:clrMapOvr>
-  <mc:AlternateContent xmlns:mc="http://schemas.openxmlformats.org/markup-compatibility/2006" xmlns:p14="http://schemas.microsoft.com/office/powerpoint/2010/main">
-    <mc:Choice Requires="p14">
-      <p:transition spd="med" p14:dur="700">
-        <p:fade/>
+  <mc:AlternateContent xmlns:mc="http://schemas.openxmlformats.org/markup-compatibility/2006">
+    <mc:Choice xmlns:p14="http://schemas.microsoft.com/office/powerpoint/2010/main" Requires="p14">
+      <p:transition spd="slow" p14:dur="1500">
+        <p:random/>
       </p:transition>
     </mc:Choice>
-    <mc:Fallback xmlns="">
-      <p:transition spd="med">
-        <p:fade/>
+    <mc:Fallback>
+      <p:transition spd="slow">
+        <p:random/>
       </p:transition>
     </mc:Fallback>
   </mc:AlternateContent>
+  <p:timing>
+    <p:tnLst>
+      <p:par>
+        <p:cTn id="1" dur="indefinite" restart="never" nodeType="tmRoot"/>
+      </p:par>
+    </p:tnLst>
+  </p:timing>
 </p:sld>
 </file>
 
@@ -5797,6 +5807,36 @@
           <a:ln/>
         </p:spPr>
       </p:pic>
+      <p:pic>
+        <p:nvPicPr>
+          <p:cNvPr id="3" name="Imagen 2"/>
+          <p:cNvPicPr>
+            <a:picLocks noChangeAspect="1"/>
+          </p:cNvPicPr>
+          <p:nvPr/>
+        </p:nvPicPr>
+        <p:blipFill>
+          <a:blip r:embed="rId4">
+            <a:extLst>
+              <a:ext uri="{28A0092B-C50C-407E-A947-70E740481C1C}">
+                <a14:useLocalDpi xmlns:a14="http://schemas.microsoft.com/office/drawing/2010/main" val="0"/>
+              </a:ext>
+            </a:extLst>
+          </a:blip>
+          <a:stretch>
+            <a:fillRect/>
+          </a:stretch>
+        </p:blipFill>
+        <p:spPr>
+          <a:xfrm>
+            <a:off x="189756" y="5805264"/>
+            <a:ext cx="881721" cy="936588"/>
+          </a:xfrm>
+          <a:prstGeom prst="rect">
+            <a:avLst/>
+          </a:prstGeom>
+        </p:spPr>
+      </p:pic>
     </p:spTree>
     <p:extLst>
       <p:ext uri="{BB962C8B-B14F-4D97-AF65-F5344CB8AC3E}">
@@ -5807,18 +5847,25 @@
   <p:clrMapOvr>
     <a:masterClrMapping/>
   </p:clrMapOvr>
-  <mc:AlternateContent xmlns:mc="http://schemas.openxmlformats.org/markup-compatibility/2006" xmlns:p14="http://schemas.microsoft.com/office/powerpoint/2010/main">
-    <mc:Choice Requires="p14">
-      <p:transition spd="med" p14:dur="700">
-        <p:fade/>
+  <mc:AlternateContent xmlns:mc="http://schemas.openxmlformats.org/markup-compatibility/2006">
+    <mc:Choice xmlns:p14="http://schemas.microsoft.com/office/powerpoint/2010/main" Requires="p14">
+      <p:transition spd="slow" p14:dur="1500">
+        <p:random/>
       </p:transition>
     </mc:Choice>
-    <mc:Fallback xmlns="">
-      <p:transition spd="med">
-        <p:fade/>
+    <mc:Fallback>
+      <p:transition spd="slow">
+        <p:random/>
       </p:transition>
     </mc:Fallback>
   </mc:AlternateContent>
+  <p:timing>
+    <p:tnLst>
+      <p:par>
+        <p:cTn id="1" dur="indefinite" restart="never" nodeType="tmRoot"/>
+      </p:par>
+    </p:tnLst>
+  </p:timing>
 </p:sld>
 </file>
 
@@ -5865,6 +5912,36 @@
           <a:ln/>
         </p:spPr>
       </p:pic>
+      <p:pic>
+        <p:nvPicPr>
+          <p:cNvPr id="3" name="Imagen 2"/>
+          <p:cNvPicPr>
+            <a:picLocks noChangeAspect="1"/>
+          </p:cNvPicPr>
+          <p:nvPr/>
+        </p:nvPicPr>
+        <p:blipFill>
+          <a:blip r:embed="rId4">
+            <a:extLst>
+              <a:ext uri="{28A0092B-C50C-407E-A947-70E740481C1C}">
+                <a14:useLocalDpi xmlns:a14="http://schemas.microsoft.com/office/drawing/2010/main" val="0"/>
+              </a:ext>
+            </a:extLst>
+          </a:blip>
+          <a:stretch>
+            <a:fillRect/>
+          </a:stretch>
+        </p:blipFill>
+        <p:spPr>
+          <a:xfrm>
+            <a:off x="189756" y="5805264"/>
+            <a:ext cx="881721" cy="936588"/>
+          </a:xfrm>
+          <a:prstGeom prst="rect">
+            <a:avLst/>
+          </a:prstGeom>
+        </p:spPr>
+      </p:pic>
     </p:spTree>
     <p:extLst>
       <p:ext uri="{BB962C8B-B14F-4D97-AF65-F5344CB8AC3E}">
@@ -5875,18 +5952,25 @@
   <p:clrMapOvr>
     <a:masterClrMapping/>
   </p:clrMapOvr>
-  <mc:AlternateContent xmlns:mc="http://schemas.openxmlformats.org/markup-compatibility/2006" xmlns:p14="http://schemas.microsoft.com/office/powerpoint/2010/main">
-    <mc:Choice Requires="p14">
-      <p:transition spd="med" p14:dur="700">
-        <p:fade/>
+  <mc:AlternateContent xmlns:mc="http://schemas.openxmlformats.org/markup-compatibility/2006">
+    <mc:Choice xmlns:p14="http://schemas.microsoft.com/office/powerpoint/2010/main" Requires="p14">
+      <p:transition spd="slow" p14:dur="1500">
+        <p:random/>
       </p:transition>
     </mc:Choice>
-    <mc:Fallback xmlns="">
-      <p:transition spd="med">
-        <p:fade/>
+    <mc:Fallback>
+      <p:transition spd="slow">
+        <p:random/>
       </p:transition>
     </mc:Fallback>
   </mc:AlternateContent>
+  <p:timing>
+    <p:tnLst>
+      <p:par>
+        <p:cTn id="1" dur="indefinite" restart="never" nodeType="tmRoot"/>
+      </p:par>
+    </p:tnLst>
+  </p:timing>
 </p:sld>
 </file>
 
@@ -5933,6 +6017,36 @@
           <a:ln/>
         </p:spPr>
       </p:pic>
+      <p:pic>
+        <p:nvPicPr>
+          <p:cNvPr id="3" name="Imagen 2"/>
+          <p:cNvPicPr>
+            <a:picLocks noChangeAspect="1"/>
+          </p:cNvPicPr>
+          <p:nvPr/>
+        </p:nvPicPr>
+        <p:blipFill>
+          <a:blip r:embed="rId3">
+            <a:extLst>
+              <a:ext uri="{28A0092B-C50C-407E-A947-70E740481C1C}">
+                <a14:useLocalDpi xmlns:a14="http://schemas.microsoft.com/office/drawing/2010/main" val="0"/>
+              </a:ext>
+            </a:extLst>
+          </a:blip>
+          <a:stretch>
+            <a:fillRect/>
+          </a:stretch>
+        </p:blipFill>
+        <p:spPr>
+          <a:xfrm>
+            <a:off x="189756" y="5805264"/>
+            <a:ext cx="881721" cy="936588"/>
+          </a:xfrm>
+          <a:prstGeom prst="rect">
+            <a:avLst/>
+          </a:prstGeom>
+        </p:spPr>
+      </p:pic>
     </p:spTree>
     <p:extLst>
       <p:ext uri="{BB962C8B-B14F-4D97-AF65-F5344CB8AC3E}">
@@ -5943,18 +6057,25 @@
   <p:clrMapOvr>
     <a:masterClrMapping/>
   </p:clrMapOvr>
-  <mc:AlternateContent xmlns:mc="http://schemas.openxmlformats.org/markup-compatibility/2006" xmlns:p14="http://schemas.microsoft.com/office/powerpoint/2010/main">
-    <mc:Choice Requires="p14">
-      <p:transition spd="med" p14:dur="700">
-        <p:fade/>
+  <mc:AlternateContent xmlns:mc="http://schemas.openxmlformats.org/markup-compatibility/2006">
+    <mc:Choice xmlns:p14="http://schemas.microsoft.com/office/powerpoint/2010/main" Requires="p14">
+      <p:transition spd="slow" p14:dur="1500">
+        <p:random/>
       </p:transition>
     </mc:Choice>
-    <mc:Fallback xmlns="">
-      <p:transition spd="med">
-        <p:fade/>
+    <mc:Fallback>
+      <p:transition spd="slow">
+        <p:random/>
       </p:transition>
     </mc:Fallback>
   </mc:AlternateContent>
+  <p:timing>
+    <p:tnLst>
+      <p:par>
+        <p:cTn id="1" dur="indefinite" restart="never" nodeType="tmRoot"/>
+      </p:par>
+    </p:tnLst>
+  </p:timing>
 </p:sld>
 </file>
 
@@ -6001,6 +6122,36 @@
           <a:ln/>
         </p:spPr>
       </p:pic>
+      <p:pic>
+        <p:nvPicPr>
+          <p:cNvPr id="3" name="Imagen 2"/>
+          <p:cNvPicPr>
+            <a:picLocks noChangeAspect="1"/>
+          </p:cNvPicPr>
+          <p:nvPr/>
+        </p:nvPicPr>
+        <p:blipFill>
+          <a:blip r:embed="rId3">
+            <a:extLst>
+              <a:ext uri="{28A0092B-C50C-407E-A947-70E740481C1C}">
+                <a14:useLocalDpi xmlns:a14="http://schemas.microsoft.com/office/drawing/2010/main" val="0"/>
+              </a:ext>
+            </a:extLst>
+          </a:blip>
+          <a:stretch>
+            <a:fillRect/>
+          </a:stretch>
+        </p:blipFill>
+        <p:spPr>
+          <a:xfrm>
+            <a:off x="189756" y="5805264"/>
+            <a:ext cx="881721" cy="936588"/>
+          </a:xfrm>
+          <a:prstGeom prst="rect">
+            <a:avLst/>
+          </a:prstGeom>
+        </p:spPr>
+      </p:pic>
     </p:spTree>
     <p:extLst>
       <p:ext uri="{BB962C8B-B14F-4D97-AF65-F5344CB8AC3E}">
@@ -6011,18 +6162,25 @@
   <p:clrMapOvr>
     <a:masterClrMapping/>
   </p:clrMapOvr>
-  <mc:AlternateContent xmlns:mc="http://schemas.openxmlformats.org/markup-compatibility/2006" xmlns:p14="http://schemas.microsoft.com/office/powerpoint/2010/main">
-    <mc:Choice Requires="p14">
-      <p:transition spd="med" p14:dur="700">
-        <p:fade/>
+  <mc:AlternateContent xmlns:mc="http://schemas.openxmlformats.org/markup-compatibility/2006">
+    <mc:Choice xmlns:p14="http://schemas.microsoft.com/office/powerpoint/2010/main" Requires="p14">
+      <p:transition spd="slow" p14:dur="1500">
+        <p:random/>
       </p:transition>
     </mc:Choice>
-    <mc:Fallback xmlns="">
-      <p:transition spd="med">
-        <p:fade/>
+    <mc:Fallback>
+      <p:transition spd="slow">
+        <p:random/>
       </p:transition>
     </mc:Fallback>
   </mc:AlternateContent>
+  <p:timing>
+    <p:tnLst>
+      <p:par>
+        <p:cTn id="1" dur="indefinite" restart="never" nodeType="tmRoot"/>
+      </p:par>
+    </p:tnLst>
+  </p:timing>
 </p:sld>
 </file>
 
@@ -6069,6 +6227,36 @@
           <a:ln/>
         </p:spPr>
       </p:pic>
+      <p:pic>
+        <p:nvPicPr>
+          <p:cNvPr id="3" name="Imagen 2"/>
+          <p:cNvPicPr>
+            <a:picLocks noChangeAspect="1"/>
+          </p:cNvPicPr>
+          <p:nvPr/>
+        </p:nvPicPr>
+        <p:blipFill>
+          <a:blip r:embed="rId3">
+            <a:extLst>
+              <a:ext uri="{28A0092B-C50C-407E-A947-70E740481C1C}">
+                <a14:useLocalDpi xmlns:a14="http://schemas.microsoft.com/office/drawing/2010/main" val="0"/>
+              </a:ext>
+            </a:extLst>
+          </a:blip>
+          <a:stretch>
+            <a:fillRect/>
+          </a:stretch>
+        </p:blipFill>
+        <p:spPr>
+          <a:xfrm>
+            <a:off x="189756" y="5805264"/>
+            <a:ext cx="881721" cy="936588"/>
+          </a:xfrm>
+          <a:prstGeom prst="rect">
+            <a:avLst/>
+          </a:prstGeom>
+        </p:spPr>
+      </p:pic>
     </p:spTree>
     <p:extLst>
       <p:ext uri="{BB962C8B-B14F-4D97-AF65-F5344CB8AC3E}">
@@ -6079,18 +6267,25 @@
   <p:clrMapOvr>
     <a:masterClrMapping/>
   </p:clrMapOvr>
-  <mc:AlternateContent xmlns:mc="http://schemas.openxmlformats.org/markup-compatibility/2006" xmlns:p14="http://schemas.microsoft.com/office/powerpoint/2010/main">
-    <mc:Choice Requires="p14">
-      <p:transition spd="med" p14:dur="700">
-        <p:fade/>
+  <mc:AlternateContent xmlns:mc="http://schemas.openxmlformats.org/markup-compatibility/2006">
+    <mc:Choice xmlns:p14="http://schemas.microsoft.com/office/powerpoint/2010/main" Requires="p14">
+      <p:transition spd="slow" p14:dur="1500">
+        <p:random/>
       </p:transition>
     </mc:Choice>
-    <mc:Fallback xmlns="">
-      <p:transition spd="med">
-        <p:fade/>
+    <mc:Fallback>
+      <p:transition spd="slow">
+        <p:random/>
       </p:transition>
     </mc:Fallback>
   </mc:AlternateContent>
+  <p:timing>
+    <p:tnLst>
+      <p:par>
+        <p:cTn id="1" dur="indefinite" restart="never" nodeType="tmRoot"/>
+      </p:par>
+    </p:tnLst>
+  </p:timing>
 </p:sld>
 </file>
 
@@ -6137,6 +6332,36 @@
           <a:ln/>
         </p:spPr>
       </p:pic>
+      <p:pic>
+        <p:nvPicPr>
+          <p:cNvPr id="3" name="Imagen 2"/>
+          <p:cNvPicPr>
+            <a:picLocks noChangeAspect="1"/>
+          </p:cNvPicPr>
+          <p:nvPr/>
+        </p:nvPicPr>
+        <p:blipFill>
+          <a:blip r:embed="rId3">
+            <a:extLst>
+              <a:ext uri="{28A0092B-C50C-407E-A947-70E740481C1C}">
+                <a14:useLocalDpi xmlns:a14="http://schemas.microsoft.com/office/drawing/2010/main" val="0"/>
+              </a:ext>
+            </a:extLst>
+          </a:blip>
+          <a:stretch>
+            <a:fillRect/>
+          </a:stretch>
+        </p:blipFill>
+        <p:spPr>
+          <a:xfrm>
+            <a:off x="189756" y="5805264"/>
+            <a:ext cx="881721" cy="936588"/>
+          </a:xfrm>
+          <a:prstGeom prst="rect">
+            <a:avLst/>
+          </a:prstGeom>
+        </p:spPr>
+      </p:pic>
     </p:spTree>
     <p:extLst>
       <p:ext uri="{BB962C8B-B14F-4D97-AF65-F5344CB8AC3E}">
@@ -6147,18 +6372,25 @@
   <p:clrMapOvr>
     <a:masterClrMapping/>
   </p:clrMapOvr>
-  <mc:AlternateContent xmlns:mc="http://schemas.openxmlformats.org/markup-compatibility/2006" xmlns:p14="http://schemas.microsoft.com/office/powerpoint/2010/main">
-    <mc:Choice Requires="p14">
-      <p:transition spd="med" p14:dur="700">
-        <p:fade/>
+  <mc:AlternateContent xmlns:mc="http://schemas.openxmlformats.org/markup-compatibility/2006">
+    <mc:Choice xmlns:p14="http://schemas.microsoft.com/office/powerpoint/2010/main" Requires="p14">
+      <p:transition spd="slow" p14:dur="1500">
+        <p:random/>
       </p:transition>
     </mc:Choice>
-    <mc:Fallback xmlns="">
-      <p:transition spd="med">
-        <p:fade/>
+    <mc:Fallback>
+      <p:transition spd="slow">
+        <p:random/>
       </p:transition>
     </mc:Fallback>
   </mc:AlternateContent>
+  <p:timing>
+    <p:tnLst>
+      <p:par>
+        <p:cTn id="1" dur="indefinite" restart="never" nodeType="tmRoot"/>
+      </p:par>
+    </p:tnLst>
+  </p:timing>
 </p:sld>
 </file>
 
@@ -6199,7 +6431,7 @@
           <a:bodyPr rtlCol="0"/>
           <a:lstStyle/>
           <a:p>
-            <a:pPr marL="45720" indent="0">
+            <a:pPr marL="45720" indent="0" algn="just">
               <a:buNone/>
             </a:pPr>
             <a:r>
@@ -6290,18 +6522,25 @@
   <p:clrMapOvr>
     <a:masterClrMapping/>
   </p:clrMapOvr>
-  <mc:AlternateContent xmlns:mc="http://schemas.openxmlformats.org/markup-compatibility/2006" xmlns:p14="http://schemas.microsoft.com/office/powerpoint/2010/main">
-    <mc:Choice Requires="p14">
-      <p:transition spd="med" p14:dur="700">
-        <p:fade/>
+  <mc:AlternateContent xmlns:mc="http://schemas.openxmlformats.org/markup-compatibility/2006">
+    <mc:Choice xmlns:p14="http://schemas.microsoft.com/office/powerpoint/2010/main" Requires="p14">
+      <p:transition spd="slow" p14:dur="1500">
+        <p:random/>
       </p:transition>
     </mc:Choice>
-    <mc:Fallback xmlns="">
-      <p:transition spd="med">
-        <p:fade/>
+    <mc:Fallback>
+      <p:transition spd="slow">
+        <p:random/>
       </p:transition>
     </mc:Fallback>
   </mc:AlternateContent>
+  <p:timing>
+    <p:tnLst>
+      <p:par>
+        <p:cTn id="1" dur="indefinite" restart="never" nodeType="tmRoot"/>
+      </p:par>
+    </p:tnLst>
+  </p:timing>
 </p:sld>
 </file>
 
@@ -6391,7 +6630,7 @@
           <a:bodyPr/>
           <a:lstStyle/>
           <a:p>
-            <a:pPr>
+            <a:pPr algn="just">
               <a:defRPr/>
             </a:pPr>
             <a:r>
@@ -6408,7 +6647,7 @@
             </a:r>
           </a:p>
           <a:p>
-            <a:pPr>
+            <a:pPr algn="just">
               <a:defRPr/>
             </a:pPr>
             <a:r>
@@ -6417,7 +6656,7 @@
             </a:r>
           </a:p>
           <a:p>
-            <a:pPr>
+            <a:pPr algn="just">
               <a:defRPr/>
             </a:pPr>
             <a:r>
@@ -6426,7 +6665,7 @@
             </a:r>
           </a:p>
           <a:p>
-            <a:pPr marL="45720" indent="0">
+            <a:pPr marL="45720" indent="0" algn="just">
               <a:buNone/>
               <a:defRPr/>
             </a:pPr>
@@ -6440,7 +6679,7 @@
             </a:r>
           </a:p>
           <a:p>
-            <a:pPr marL="45720" indent="0">
+            <a:pPr marL="45720" indent="0" algn="just">
               <a:buNone/>
               <a:defRPr/>
             </a:pPr>
@@ -6458,7 +6697,7 @@
             </a:r>
           </a:p>
           <a:p>
-            <a:pPr marL="45720" indent="0">
+            <a:pPr marL="45720" indent="0" algn="just">
               <a:buNone/>
               <a:defRPr/>
             </a:pPr>
@@ -6472,7 +6711,7 @@
             </a:r>
           </a:p>
           <a:p>
-            <a:pPr>
+            <a:pPr algn="just">
               <a:defRPr/>
             </a:pPr>
             <a:r>
@@ -6481,7 +6720,7 @@
             </a:r>
           </a:p>
           <a:p>
-            <a:pPr>
+            <a:pPr algn="just">
               <a:defRPr/>
             </a:pPr>
             <a:r>
@@ -6504,18 +6743,25 @@
   <p:clrMapOvr>
     <a:masterClrMapping/>
   </p:clrMapOvr>
-  <mc:AlternateContent xmlns:mc="http://schemas.openxmlformats.org/markup-compatibility/2006" xmlns:p14="http://schemas.microsoft.com/office/powerpoint/2010/main">
-    <mc:Choice Requires="p14">
-      <p:transition spd="med" p14:dur="700">
-        <p:fade/>
+  <mc:AlternateContent xmlns:mc="http://schemas.openxmlformats.org/markup-compatibility/2006">
+    <mc:Choice xmlns:p14="http://schemas.microsoft.com/office/powerpoint/2010/main" Requires="p14">
+      <p:transition spd="slow" p14:dur="1500">
+        <p:random/>
       </p:transition>
     </mc:Choice>
-    <mc:Fallback xmlns="">
-      <p:transition spd="med">
-        <p:fade/>
+    <mc:Fallback>
+      <p:transition spd="slow">
+        <p:random/>
       </p:transition>
     </mc:Fallback>
   </mc:AlternateContent>
+  <p:timing>
+    <p:tnLst>
+      <p:par>
+        <p:cTn id="1" dur="indefinite" restart="never" nodeType="tmRoot"/>
+      </p:par>
+    </p:tnLst>
+  </p:timing>
 </p:sld>
 </file>
 
@@ -6556,7 +6802,7 @@
           <a:bodyPr rtlCol="0"/>
           <a:lstStyle/>
           <a:p>
-            <a:pPr marL="45720" indent="0">
+            <a:pPr marL="45720" indent="0" algn="just">
               <a:buNone/>
             </a:pPr>
             <a:r>
@@ -6653,18 +6899,25 @@
   <p:clrMapOvr>
     <a:masterClrMapping/>
   </p:clrMapOvr>
-  <mc:AlternateContent xmlns:mc="http://schemas.openxmlformats.org/markup-compatibility/2006" xmlns:p14="http://schemas.microsoft.com/office/powerpoint/2010/main">
-    <mc:Choice Requires="p14">
-      <p:transition spd="med" p14:dur="700">
-        <p:fade/>
+  <mc:AlternateContent xmlns:mc="http://schemas.openxmlformats.org/markup-compatibility/2006">
+    <mc:Choice xmlns:p14="http://schemas.microsoft.com/office/powerpoint/2010/main" Requires="p14">
+      <p:transition spd="slow" p14:dur="1500">
+        <p:random/>
       </p:transition>
     </mc:Choice>
-    <mc:Fallback xmlns="">
-      <p:transition spd="med">
-        <p:fade/>
+    <mc:Fallback>
+      <p:transition spd="slow">
+        <p:random/>
       </p:transition>
     </mc:Fallback>
   </mc:AlternateContent>
+  <p:timing>
+    <p:tnLst>
+      <p:par>
+        <p:cTn id="1" dur="indefinite" restart="never" nodeType="tmRoot"/>
+      </p:par>
+    </p:tnLst>
+  </p:timing>
 </p:sld>
 </file>
 
@@ -6709,6 +6962,36 @@
           </a:xfrm>
         </p:spPr>
       </p:pic>
+      <p:pic>
+        <p:nvPicPr>
+          <p:cNvPr id="3" name="Imagen 2"/>
+          <p:cNvPicPr>
+            <a:picLocks noChangeAspect="1"/>
+          </p:cNvPicPr>
+          <p:nvPr/>
+        </p:nvPicPr>
+        <p:blipFill>
+          <a:blip r:embed="rId4">
+            <a:extLst>
+              <a:ext uri="{28A0092B-C50C-407E-A947-70E740481C1C}">
+                <a14:useLocalDpi xmlns:a14="http://schemas.microsoft.com/office/drawing/2010/main" val="0"/>
+              </a:ext>
+            </a:extLst>
+          </a:blip>
+          <a:stretch>
+            <a:fillRect/>
+          </a:stretch>
+        </p:blipFill>
+        <p:spPr>
+          <a:xfrm>
+            <a:off x="189756" y="5805264"/>
+            <a:ext cx="881721" cy="936588"/>
+          </a:xfrm>
+          <a:prstGeom prst="rect">
+            <a:avLst/>
+          </a:prstGeom>
+        </p:spPr>
+      </p:pic>
     </p:spTree>
     <p:extLst>
       <p:ext uri="{BB962C8B-B14F-4D97-AF65-F5344CB8AC3E}">
@@ -6719,18 +7002,25 @@
   <p:clrMapOvr>
     <a:masterClrMapping/>
   </p:clrMapOvr>
-  <mc:AlternateContent xmlns:mc="http://schemas.openxmlformats.org/markup-compatibility/2006" xmlns:p14="http://schemas.microsoft.com/office/powerpoint/2010/main">
-    <mc:Choice Requires="p14">
-      <p:transition spd="med" p14:dur="700">
-        <p:fade/>
+  <mc:AlternateContent xmlns:mc="http://schemas.openxmlformats.org/markup-compatibility/2006">
+    <mc:Choice xmlns:p14="http://schemas.microsoft.com/office/powerpoint/2010/main" Requires="p14">
+      <p:transition spd="slow" p14:dur="1500">
+        <p:random/>
       </p:transition>
     </mc:Choice>
-    <mc:Fallback xmlns="">
-      <p:transition spd="med">
-        <p:fade/>
+    <mc:Fallback>
+      <p:transition spd="slow">
+        <p:random/>
       </p:transition>
     </mc:Fallback>
   </mc:AlternateContent>
+  <p:timing>
+    <p:tnLst>
+      <p:par>
+        <p:cTn id="1" dur="indefinite" restart="never" nodeType="tmRoot"/>
+      </p:par>
+    </p:tnLst>
+  </p:timing>
 </p:sld>
 </file>
 
@@ -6798,16 +7088,16 @@
         <p:spPr>
           <a:xfrm>
             <a:off x="1065214" y="1844824"/>
-            <a:ext cx="8686800" cy="3456384"/>
+            <a:ext cx="9421686" cy="4032448"/>
           </a:xfrm>
         </p:spPr>
         <p:txBody>
           <a:bodyPr rtlCol="0">
-            <a:normAutofit/>
+            <a:normAutofit fontScale="92500" lnSpcReduction="10000"/>
           </a:bodyPr>
           <a:lstStyle/>
           <a:p>
-            <a:pPr>
+            <a:pPr algn="just">
               <a:buFont typeface="Arial" pitchFamily="34" charset="0"/>
               <a:buChar char="•"/>
               <a:defRPr/>
@@ -6834,20 +7124,51 @@
             </a:r>
           </a:p>
           <a:p>
-            <a:pPr>
+            <a:pPr algn="just">
               <a:defRPr/>
             </a:pPr>
             <a:endParaRPr lang="es-AR" dirty="0"/>
           </a:p>
           <a:p>
-            <a:pPr>
+            <a:pPr algn="just">
               <a:buFont typeface="Arial" pitchFamily="34" charset="0"/>
               <a:buChar char="•"/>
               <a:defRPr/>
             </a:pPr>
             <a:r>
               <a:rPr lang="es-AR" dirty="0"/>
-              <a:t>El diseño e implementación del servidor y los controladores estarán desarrollados por Olmos Martín y Benitez Griselda; el diseño de la base de datos estará a cargo de Olmos Martin y </a:t>
+              <a:t>El diseño e implementación del servidor y los controladores estarán desarrollados por Olmos Martín y Benitez </a:t>
+            </a:r>
+            <a:r>
+              <a:rPr lang="es-AR" dirty="0" smtClean="0"/>
+              <a:t>Griselda. </a:t>
+            </a:r>
+          </a:p>
+          <a:p>
+            <a:pPr algn="just">
+              <a:buFont typeface="Arial" pitchFamily="34" charset="0"/>
+              <a:buChar char="•"/>
+              <a:defRPr/>
+            </a:pPr>
+            <a:endParaRPr lang="es-AR" dirty="0" smtClean="0"/>
+          </a:p>
+          <a:p>
+            <a:pPr algn="just">
+              <a:buFont typeface="Arial" pitchFamily="34" charset="0"/>
+              <a:buChar char="•"/>
+              <a:defRPr/>
+            </a:pPr>
+            <a:r>
+              <a:rPr lang="es-AR" dirty="0" smtClean="0"/>
+              <a:t>E</a:t>
+            </a:r>
+            <a:r>
+              <a:rPr lang="es-AR" dirty="0" smtClean="0"/>
+              <a:t>l </a:t>
+            </a:r>
+            <a:r>
+              <a:rPr lang="es-AR" dirty="0"/>
+              <a:t>diseño de la base de datos estará a cargo de Olmos Martin y </a:t>
             </a:r>
             <a:r>
               <a:rPr lang="es-AR" dirty="0" err="1"/>
@@ -6855,12 +7176,85 @@
             </a:r>
             <a:r>
               <a:rPr lang="es-AR" dirty="0"/>
-              <a:t> Nicolás mientras que su desarrollo estará a cargo de Lucero José y Benitez Griselda.</a:t>
+              <a:t> </a:t>
+            </a:r>
+            <a:r>
+              <a:rPr lang="es-AR" dirty="0" smtClean="0"/>
+              <a:t>Nicolás. </a:t>
+            </a:r>
+          </a:p>
+          <a:p>
+            <a:pPr algn="just">
+              <a:buFont typeface="Arial" pitchFamily="34" charset="0"/>
+              <a:buChar char="•"/>
+              <a:defRPr/>
+            </a:pPr>
+            <a:endParaRPr lang="es-AR" dirty="0" smtClean="0"/>
+          </a:p>
+          <a:p>
+            <a:pPr algn="just">
+              <a:buFont typeface="Arial" pitchFamily="34" charset="0"/>
+              <a:buChar char="•"/>
+              <a:defRPr/>
+            </a:pPr>
+            <a:r>
+              <a:rPr lang="es-AR" dirty="0"/>
+              <a:t>M</a:t>
+            </a:r>
+            <a:r>
+              <a:rPr lang="es-AR" dirty="0" smtClean="0"/>
+              <a:t>ientras </a:t>
+            </a:r>
+            <a:r>
+              <a:rPr lang="es-AR" dirty="0"/>
+              <a:t>que </a:t>
+            </a:r>
+            <a:r>
+              <a:rPr lang="es-AR" dirty="0" smtClean="0"/>
+              <a:t>el</a:t>
+            </a:r>
+            <a:r>
+              <a:rPr lang="es-AR" dirty="0" smtClean="0"/>
+              <a:t> desarrollo de la documentación </a:t>
+            </a:r>
+            <a:r>
+              <a:rPr lang="es-AR" dirty="0"/>
+              <a:t>estará a cargo de Lucero José y Benitez Griselda.</a:t>
             </a:r>
             <a:endParaRPr lang="es-ES" dirty="0"/>
           </a:p>
         </p:txBody>
       </p:sp>
+      <p:pic>
+        <p:nvPicPr>
+          <p:cNvPr id="4" name="Imagen 3"/>
+          <p:cNvPicPr>
+            <a:picLocks noChangeAspect="1"/>
+          </p:cNvPicPr>
+          <p:nvPr/>
+        </p:nvPicPr>
+        <p:blipFill>
+          <a:blip r:embed="rId3">
+            <a:extLst>
+              <a:ext uri="{28A0092B-C50C-407E-A947-70E740481C1C}">
+                <a14:useLocalDpi xmlns:a14="http://schemas.microsoft.com/office/drawing/2010/main" val="0"/>
+              </a:ext>
+            </a:extLst>
+          </a:blip>
+          <a:stretch>
+            <a:fillRect/>
+          </a:stretch>
+        </p:blipFill>
+        <p:spPr>
+          <a:xfrm>
+            <a:off x="189756" y="5805264"/>
+            <a:ext cx="881721" cy="936588"/>
+          </a:xfrm>
+          <a:prstGeom prst="rect">
+            <a:avLst/>
+          </a:prstGeom>
+        </p:spPr>
+      </p:pic>
     </p:spTree>
     <p:extLst>
       <p:ext uri="{BB962C8B-B14F-4D97-AF65-F5344CB8AC3E}">
@@ -6871,18 +7265,25 @@
   <p:clrMapOvr>
     <a:masterClrMapping/>
   </p:clrMapOvr>
-  <mc:AlternateContent xmlns:mc="http://schemas.openxmlformats.org/markup-compatibility/2006" xmlns:p14="http://schemas.microsoft.com/office/powerpoint/2010/main">
-    <mc:Choice Requires="p14">
-      <p:transition spd="med" p14:dur="700">
-        <p:fade/>
+  <mc:AlternateContent xmlns:mc="http://schemas.openxmlformats.org/markup-compatibility/2006">
+    <mc:Choice xmlns:p14="http://schemas.microsoft.com/office/powerpoint/2010/main" Requires="p14">
+      <p:transition spd="slow" p14:dur="1500">
+        <p:random/>
       </p:transition>
     </mc:Choice>
-    <mc:Fallback xmlns="">
-      <p:transition spd="med">
-        <p:fade/>
+    <mc:Fallback>
+      <p:transition spd="slow">
+        <p:random/>
       </p:transition>
     </mc:Fallback>
   </mc:AlternateContent>
+  <p:timing>
+    <p:tnLst>
+      <p:par>
+        <p:cTn id="1" dur="indefinite" restart="never" nodeType="tmRoot"/>
+      </p:par>
+    </p:tnLst>
+  </p:timing>
 </p:sld>
 </file>
 
@@ -6993,6 +7394,36 @@
           </a:p>
         </p:txBody>
       </p:sp>
+      <p:pic>
+        <p:nvPicPr>
+          <p:cNvPr id="5" name="Imagen 4"/>
+          <p:cNvPicPr>
+            <a:picLocks noChangeAspect="1"/>
+          </p:cNvPicPr>
+          <p:nvPr/>
+        </p:nvPicPr>
+        <p:blipFill>
+          <a:blip r:embed="rId3">
+            <a:extLst>
+              <a:ext uri="{28A0092B-C50C-407E-A947-70E740481C1C}">
+                <a14:useLocalDpi xmlns:a14="http://schemas.microsoft.com/office/drawing/2010/main" val="0"/>
+              </a:ext>
+            </a:extLst>
+          </a:blip>
+          <a:stretch>
+            <a:fillRect/>
+          </a:stretch>
+        </p:blipFill>
+        <p:spPr>
+          <a:xfrm>
+            <a:off x="189756" y="5805264"/>
+            <a:ext cx="881721" cy="936588"/>
+          </a:xfrm>
+          <a:prstGeom prst="rect">
+            <a:avLst/>
+          </a:prstGeom>
+        </p:spPr>
+      </p:pic>
     </p:spTree>
     <p:extLst>
       <p:ext uri="{BB962C8B-B14F-4D97-AF65-F5344CB8AC3E}">
@@ -7003,18 +7434,25 @@
   <p:clrMapOvr>
     <a:masterClrMapping/>
   </p:clrMapOvr>
-  <mc:AlternateContent xmlns:mc="http://schemas.openxmlformats.org/markup-compatibility/2006" xmlns:p14="http://schemas.microsoft.com/office/powerpoint/2010/main">
-    <mc:Choice Requires="p14">
-      <p:transition spd="med" p14:dur="700">
-        <p:fade/>
+  <mc:AlternateContent xmlns:mc="http://schemas.openxmlformats.org/markup-compatibility/2006">
+    <mc:Choice xmlns:p14="http://schemas.microsoft.com/office/powerpoint/2010/main" Requires="p14">
+      <p:transition spd="slow" p14:dur="1500">
+        <p:random/>
       </p:transition>
     </mc:Choice>
-    <mc:Fallback xmlns="">
-      <p:transition spd="med">
-        <p:fade/>
+    <mc:Fallback>
+      <p:transition spd="slow">
+        <p:random/>
       </p:transition>
     </mc:Fallback>
   </mc:AlternateContent>
+  <p:timing>
+    <p:tnLst>
+      <p:par>
+        <p:cTn id="1" dur="indefinite" restart="never" nodeType="tmRoot"/>
+      </p:par>
+    </p:tnLst>
+  </p:timing>
 </p:sld>
 </file>
 
@@ -7086,6 +7524,36 @@
           <a:ln/>
         </p:spPr>
       </p:pic>
+      <p:pic>
+        <p:nvPicPr>
+          <p:cNvPr id="4" name="Imagen 3"/>
+          <p:cNvPicPr>
+            <a:picLocks noChangeAspect="1"/>
+          </p:cNvPicPr>
+          <p:nvPr/>
+        </p:nvPicPr>
+        <p:blipFill>
+          <a:blip r:embed="rId4">
+            <a:extLst>
+              <a:ext uri="{28A0092B-C50C-407E-A947-70E740481C1C}">
+                <a14:useLocalDpi xmlns:a14="http://schemas.microsoft.com/office/drawing/2010/main" val="0"/>
+              </a:ext>
+            </a:extLst>
+          </a:blip>
+          <a:stretch>
+            <a:fillRect/>
+          </a:stretch>
+        </p:blipFill>
+        <p:spPr>
+          <a:xfrm>
+            <a:off x="189756" y="5805264"/>
+            <a:ext cx="881721" cy="936588"/>
+          </a:xfrm>
+          <a:prstGeom prst="rect">
+            <a:avLst/>
+          </a:prstGeom>
+        </p:spPr>
+      </p:pic>
     </p:spTree>
     <p:extLst>
       <p:ext uri="{BB962C8B-B14F-4D97-AF65-F5344CB8AC3E}">
@@ -7096,18 +7564,25 @@
   <p:clrMapOvr>
     <a:masterClrMapping/>
   </p:clrMapOvr>
-  <mc:AlternateContent xmlns:mc="http://schemas.openxmlformats.org/markup-compatibility/2006" xmlns:p14="http://schemas.microsoft.com/office/powerpoint/2010/main">
-    <mc:Choice Requires="p14">
-      <p:transition spd="med" p14:dur="700">
-        <p:fade/>
+  <mc:AlternateContent xmlns:mc="http://schemas.openxmlformats.org/markup-compatibility/2006">
+    <mc:Choice xmlns:p14="http://schemas.microsoft.com/office/powerpoint/2010/main" Requires="p14">
+      <p:transition spd="slow" p14:dur="1500">
+        <p:random/>
       </p:transition>
     </mc:Choice>
-    <mc:Fallback xmlns="">
-      <p:transition spd="med">
-        <p:fade/>
+    <mc:Fallback>
+      <p:transition spd="slow">
+        <p:random/>
       </p:transition>
     </mc:Fallback>
   </mc:AlternateContent>
+  <p:timing>
+    <p:tnLst>
+      <p:par>
+        <p:cTn id="1" dur="indefinite" restart="never" nodeType="tmRoot"/>
+      </p:par>
+    </p:tnLst>
+  </p:timing>
 </p:sld>
 </file>
 
@@ -7205,6 +7680,36 @@
           <a:ln/>
         </p:spPr>
       </p:pic>
+      <p:pic>
+        <p:nvPicPr>
+          <p:cNvPr id="4" name="Imagen 3"/>
+          <p:cNvPicPr>
+            <a:picLocks noChangeAspect="1"/>
+          </p:cNvPicPr>
+          <p:nvPr/>
+        </p:nvPicPr>
+        <p:blipFill>
+          <a:blip r:embed="rId4">
+            <a:extLst>
+              <a:ext uri="{28A0092B-C50C-407E-A947-70E740481C1C}">
+                <a14:useLocalDpi xmlns:a14="http://schemas.microsoft.com/office/drawing/2010/main" val="0"/>
+              </a:ext>
+            </a:extLst>
+          </a:blip>
+          <a:stretch>
+            <a:fillRect/>
+          </a:stretch>
+        </p:blipFill>
+        <p:spPr>
+          <a:xfrm>
+            <a:off x="189756" y="5805264"/>
+            <a:ext cx="881721" cy="936588"/>
+          </a:xfrm>
+          <a:prstGeom prst="rect">
+            <a:avLst/>
+          </a:prstGeom>
+        </p:spPr>
+      </p:pic>
     </p:spTree>
     <p:extLst>
       <p:ext uri="{BB962C8B-B14F-4D97-AF65-F5344CB8AC3E}">
@@ -7215,18 +7720,25 @@
   <p:clrMapOvr>
     <a:masterClrMapping/>
   </p:clrMapOvr>
-  <mc:AlternateContent xmlns:mc="http://schemas.openxmlformats.org/markup-compatibility/2006" xmlns:p14="http://schemas.microsoft.com/office/powerpoint/2010/main">
-    <mc:Choice Requires="p14">
-      <p:transition spd="med" p14:dur="700">
-        <p:fade/>
+  <mc:AlternateContent xmlns:mc="http://schemas.openxmlformats.org/markup-compatibility/2006">
+    <mc:Choice xmlns:p14="http://schemas.microsoft.com/office/powerpoint/2010/main" Requires="p14">
+      <p:transition spd="slow" p14:dur="1500">
+        <p:random/>
       </p:transition>
     </mc:Choice>
-    <mc:Fallback xmlns="">
-      <p:transition spd="med">
-        <p:fade/>
+    <mc:Fallback>
+      <p:transition spd="slow">
+        <p:random/>
       </p:transition>
     </mc:Fallback>
   </mc:AlternateContent>
+  <p:timing>
+    <p:tnLst>
+      <p:par>
+        <p:cTn id="1" dur="indefinite" restart="never" nodeType="tmRoot"/>
+      </p:par>
+    </p:tnLst>
+  </p:timing>
 </p:sld>
 </file>
 
@@ -8004,15 +8516,6 @@
 </file>
 
 <file path=customXml/item1.xml><?xml version="1.0" encoding="utf-8"?>
-<?mso-contentType ?>
-<FormTemplates xmlns="http://schemas.microsoft.com/sharepoint/v3/contenttype/forms">
-  <Display>DocumentLibraryForm</Display>
-  <Edit>DocumentLibraryForm</Edit>
-  <New>DocumentLibraryForm</New>
-</FormTemplates>
-</file>
-
-<file path=customXml/item2.xml><?xml version="1.0" encoding="utf-8"?>
 <ct:contentTypeSchema xmlns:ct="http://schemas.microsoft.com/office/2006/metadata/contentType" xmlns:ma="http://schemas.microsoft.com/office/2006/metadata/properties/metaAttributes" ct:_="" ma:_="" ma:contentTypeName="Document" ma:contentTypeID="0x010100AA3F7D94069FF64A86F7DFF56D60E3BE" ma:contentTypeVersion="6" ma:contentTypeDescription="Create a new document." ma:contentTypeScope="" ma:versionID="c32302c77d4085ecf495bdddb7f5e889">
   <xsd:schema xmlns:xsd="http://www.w3.org/2001/XMLSchema" xmlns:xs="http://www.w3.org/2001/XMLSchema" xmlns:p="http://schemas.microsoft.com/office/2006/metadata/properties" xmlns:ns2="a4f35948-e619-41b3-aa29-22878b09cfd2" xmlns:ns3="40262f94-9f35-4ac3-9a90-690165a166b7" targetNamespace="http://schemas.microsoft.com/office/2006/metadata/properties" ma:root="true" ma:fieldsID="4ab5ae46be95f9d0be6107e8200be7a2" ns2:_="" ns3:_="">
     <xsd:import namespace="a4f35948-e619-41b3-aa29-22878b09cfd2"/>
@@ -8193,6 +8696,15 @@
 </ct:contentTypeSchema>
 </file>
 
+<file path=customXml/item2.xml><?xml version="1.0" encoding="utf-8"?>
+<?mso-contentType ?>
+<FormTemplates xmlns="http://schemas.microsoft.com/sharepoint/v3/contenttype/forms">
+  <Display>DocumentLibraryForm</Display>
+  <Edit>DocumentLibraryForm</Edit>
+  <New>DocumentLibraryForm</New>
+</FormTemplates>
+</file>
+
 <file path=customXml/item3.xml><?xml version="1.0" encoding="utf-8"?>
 <p:properties xmlns:p="http://schemas.microsoft.com/office/2006/metadata/properties" xmlns:xsi="http://www.w3.org/2001/XMLSchema-instance" xmlns:pc="http://schemas.microsoft.com/office/infopath/2007/PartnerControls">
   <documentManagement>
@@ -8205,14 +8717,6 @@
 </file>
 
 <file path=customXml/itemProps1.xml><?xml version="1.0" encoding="utf-8"?>
-<ds:datastoreItem xmlns:ds="http://schemas.openxmlformats.org/officeDocument/2006/customXml" ds:itemID="{02F2BE50-DDB3-465B-A26E-975A276D4362}">
-  <ds:schemaRefs>
-    <ds:schemaRef ds:uri="http://schemas.microsoft.com/sharepoint/v3/contenttype/forms"/>
-  </ds:schemaRefs>
-</ds:datastoreItem>
-</file>
-
-<file path=customXml/itemProps2.xml><?xml version="1.0" encoding="utf-8"?>
 <ds:datastoreItem xmlns:ds="http://schemas.openxmlformats.org/officeDocument/2006/customXml" ds:itemID="{7C80FAF7-F941-4D3E-A3C3-283A61107933}">
   <ds:schemaRefs>
     <ds:schemaRef ds:uri="http://schemas.microsoft.com/office/2006/metadata/contentType"/>
@@ -8227,6 +8731,14 @@
     <ds:schemaRef ds:uri="http://purl.org/dc/elements/1.1/"/>
     <ds:schemaRef ds:uri="http://purl.org/dc/terms/"/>
     <ds:schemaRef ds:uri="http://schemas.microsoft.com/internal/obd"/>
+  </ds:schemaRefs>
+</ds:datastoreItem>
+</file>
+
+<file path=customXml/itemProps2.xml><?xml version="1.0" encoding="utf-8"?>
+<ds:datastoreItem xmlns:ds="http://schemas.openxmlformats.org/officeDocument/2006/customXml" ds:itemID="{02F2BE50-DDB3-465B-A26E-975A276D4362}">
+  <ds:schemaRefs>
+    <ds:schemaRef ds:uri="http://schemas.microsoft.com/sharepoint/v3/contenttype/forms"/>
   </ds:schemaRefs>
 </ds:datastoreItem>
 </file>
